--- a/Nice Illustrations/Nice Illustrations.pptx
+++ b/Nice Illustrations/Nice Illustrations.pptx
@@ -4,6 +4,9 @@
   <p:sldMasterIdLst>
     <p:sldMasterId id="2147483648" r:id="rId1"/>
   </p:sldMasterIdLst>
+  <p:notesMasterIdLst>
+    <p:notesMasterId r:id="rId8"/>
+  </p:notesMasterIdLst>
   <p:sldIdLst>
     <p:sldId id="256" r:id="rId2"/>
     <p:sldId id="257" r:id="rId3"/>
@@ -112,6 +115,600 @@
 </p:presentation>
 </file>
 
+<file path=ppt/notesMasters/notesMaster1.xml><?xml version="1.0" encoding="utf-8"?>
+<p:notesMaster xmlns:a="http://schemas.openxmlformats.org/drawingml/2006/main" xmlns:r="http://schemas.openxmlformats.org/officeDocument/2006/relationships" xmlns:p="http://schemas.openxmlformats.org/presentationml/2006/main">
+  <p:cSld>
+    <p:bg>
+      <p:bgRef idx="1001">
+        <a:schemeClr val="bg1"/>
+      </p:bgRef>
+    </p:bg>
+    <p:spTree>
+      <p:nvGrpSpPr>
+        <p:cNvPr id="1" name=""/>
+        <p:cNvGrpSpPr/>
+        <p:nvPr/>
+      </p:nvGrpSpPr>
+      <p:grpSpPr>
+        <a:xfrm>
+          <a:off x="0" y="0"/>
+          <a:ext cx="0" cy="0"/>
+          <a:chOff x="0" y="0"/>
+          <a:chExt cx="0" cy="0"/>
+        </a:xfrm>
+      </p:grpSpPr>
+      <p:sp>
+        <p:nvSpPr>
+          <p:cNvPr id="2" name="Kopfzeilenplatzhalter 1"/>
+          <p:cNvSpPr>
+            <a:spLocks noGrp="1"/>
+          </p:cNvSpPr>
+          <p:nvPr>
+            <p:ph type="hdr" sz="quarter"/>
+          </p:nvPr>
+        </p:nvSpPr>
+        <p:spPr>
+          <a:xfrm>
+            <a:off x="0" y="0"/>
+            <a:ext cx="2971800" cy="457200"/>
+          </a:xfrm>
+          <a:prstGeom prst="rect">
+            <a:avLst/>
+          </a:prstGeom>
+        </p:spPr>
+        <p:txBody>
+          <a:bodyPr vert="horz" lIns="91440" tIns="45720" rIns="91440" bIns="45720" rtlCol="0"/>
+          <a:lstStyle>
+            <a:lvl1pPr algn="l">
+              <a:defRPr sz="1200"/>
+            </a:lvl1pPr>
+          </a:lstStyle>
+          <a:p>
+            <a:endParaRPr lang="en-GB"/>
+          </a:p>
+        </p:txBody>
+      </p:sp>
+      <p:sp>
+        <p:nvSpPr>
+          <p:cNvPr id="3" name="Datumsplatzhalter 2"/>
+          <p:cNvSpPr>
+            <a:spLocks noGrp="1"/>
+          </p:cNvSpPr>
+          <p:nvPr>
+            <p:ph type="dt" idx="1"/>
+          </p:nvPr>
+        </p:nvSpPr>
+        <p:spPr>
+          <a:xfrm>
+            <a:off x="3884613" y="0"/>
+            <a:ext cx="2971800" cy="457200"/>
+          </a:xfrm>
+          <a:prstGeom prst="rect">
+            <a:avLst/>
+          </a:prstGeom>
+        </p:spPr>
+        <p:txBody>
+          <a:bodyPr vert="horz" lIns="91440" tIns="45720" rIns="91440" bIns="45720" rtlCol="0"/>
+          <a:lstStyle>
+            <a:lvl1pPr algn="r">
+              <a:defRPr sz="1200"/>
+            </a:lvl1pPr>
+          </a:lstStyle>
+          <a:p>
+            <a:fld id="{777E2BDC-79E2-4277-BF41-1FB0EEB68CA3}" type="datetimeFigureOut">
+              <a:rPr lang="en-GB" smtClean="0"/>
+              <a:t>09/04/2015</a:t>
+            </a:fld>
+            <a:endParaRPr lang="en-GB"/>
+          </a:p>
+        </p:txBody>
+      </p:sp>
+      <p:sp>
+        <p:nvSpPr>
+          <p:cNvPr id="4" name="Folienbildplatzhalter 3"/>
+          <p:cNvSpPr>
+            <a:spLocks noGrp="1" noRot="1" noChangeAspect="1"/>
+          </p:cNvSpPr>
+          <p:nvPr>
+            <p:ph type="sldImg" idx="2"/>
+          </p:nvPr>
+        </p:nvSpPr>
+        <p:spPr>
+          <a:xfrm>
+            <a:off x="1143000" y="685800"/>
+            <a:ext cx="4572000" cy="3429000"/>
+          </a:xfrm>
+          <a:prstGeom prst="rect">
+            <a:avLst/>
+          </a:prstGeom>
+          <a:noFill/>
+          <a:ln w="12700">
+            <a:solidFill>
+              <a:prstClr val="black"/>
+            </a:solidFill>
+          </a:ln>
+        </p:spPr>
+        <p:txBody>
+          <a:bodyPr vert="horz" lIns="91440" tIns="45720" rIns="91440" bIns="45720" rtlCol="0" anchor="ctr"/>
+          <a:lstStyle/>
+          <a:p>
+            <a:endParaRPr lang="en-GB"/>
+          </a:p>
+        </p:txBody>
+      </p:sp>
+      <p:sp>
+        <p:nvSpPr>
+          <p:cNvPr id="5" name="Notizenplatzhalter 4"/>
+          <p:cNvSpPr>
+            <a:spLocks noGrp="1"/>
+          </p:cNvSpPr>
+          <p:nvPr>
+            <p:ph type="body" sz="quarter" idx="3"/>
+          </p:nvPr>
+        </p:nvSpPr>
+        <p:spPr>
+          <a:xfrm>
+            <a:off x="685800" y="4343400"/>
+            <a:ext cx="5486400" cy="4114800"/>
+          </a:xfrm>
+          <a:prstGeom prst="rect">
+            <a:avLst/>
+          </a:prstGeom>
+        </p:spPr>
+        <p:txBody>
+          <a:bodyPr vert="horz" lIns="91440" tIns="45720" rIns="91440" bIns="45720" rtlCol="0"/>
+          <a:lstStyle/>
+          <a:p>
+            <a:pPr lvl="0"/>
+            <a:r>
+              <a:rPr lang="de-DE" smtClean="0"/>
+              <a:t>Textmasterformat bearbeiten</a:t>
+            </a:r>
+          </a:p>
+          <a:p>
+            <a:pPr lvl="1"/>
+            <a:r>
+              <a:rPr lang="de-DE" smtClean="0"/>
+              <a:t>Zweite Ebene</a:t>
+            </a:r>
+          </a:p>
+          <a:p>
+            <a:pPr lvl="2"/>
+            <a:r>
+              <a:rPr lang="de-DE" smtClean="0"/>
+              <a:t>Dritte Ebene</a:t>
+            </a:r>
+          </a:p>
+          <a:p>
+            <a:pPr lvl="3"/>
+            <a:r>
+              <a:rPr lang="de-DE" smtClean="0"/>
+              <a:t>Vierte Ebene</a:t>
+            </a:r>
+          </a:p>
+          <a:p>
+            <a:pPr lvl="4"/>
+            <a:r>
+              <a:rPr lang="de-DE" smtClean="0"/>
+              <a:t>Fünfte Ebene</a:t>
+            </a:r>
+            <a:endParaRPr lang="en-GB"/>
+          </a:p>
+        </p:txBody>
+      </p:sp>
+      <p:sp>
+        <p:nvSpPr>
+          <p:cNvPr id="6" name="Fußzeilenplatzhalter 5"/>
+          <p:cNvSpPr>
+            <a:spLocks noGrp="1"/>
+          </p:cNvSpPr>
+          <p:nvPr>
+            <p:ph type="ftr" sz="quarter" idx="4"/>
+          </p:nvPr>
+        </p:nvSpPr>
+        <p:spPr>
+          <a:xfrm>
+            <a:off x="0" y="8685213"/>
+            <a:ext cx="2971800" cy="457200"/>
+          </a:xfrm>
+          <a:prstGeom prst="rect">
+            <a:avLst/>
+          </a:prstGeom>
+        </p:spPr>
+        <p:txBody>
+          <a:bodyPr vert="horz" lIns="91440" tIns="45720" rIns="91440" bIns="45720" rtlCol="0" anchor="b"/>
+          <a:lstStyle>
+            <a:lvl1pPr algn="l">
+              <a:defRPr sz="1200"/>
+            </a:lvl1pPr>
+          </a:lstStyle>
+          <a:p>
+            <a:endParaRPr lang="en-GB"/>
+          </a:p>
+        </p:txBody>
+      </p:sp>
+      <p:sp>
+        <p:nvSpPr>
+          <p:cNvPr id="7" name="Foliennummernplatzhalter 6"/>
+          <p:cNvSpPr>
+            <a:spLocks noGrp="1"/>
+          </p:cNvSpPr>
+          <p:nvPr>
+            <p:ph type="sldNum" sz="quarter" idx="5"/>
+          </p:nvPr>
+        </p:nvSpPr>
+        <p:spPr>
+          <a:xfrm>
+            <a:off x="3884613" y="8685213"/>
+            <a:ext cx="2971800" cy="457200"/>
+          </a:xfrm>
+          <a:prstGeom prst="rect">
+            <a:avLst/>
+          </a:prstGeom>
+        </p:spPr>
+        <p:txBody>
+          <a:bodyPr vert="horz" lIns="91440" tIns="45720" rIns="91440" bIns="45720" rtlCol="0" anchor="b"/>
+          <a:lstStyle>
+            <a:lvl1pPr algn="r">
+              <a:defRPr sz="1200"/>
+            </a:lvl1pPr>
+          </a:lstStyle>
+          <a:p>
+            <a:fld id="{11BD3FAF-AE36-4B56-9867-B24A2E307FB6}" type="slidenum">
+              <a:rPr lang="en-GB" smtClean="0"/>
+              <a:t>‹Nr.›</a:t>
+            </a:fld>
+            <a:endParaRPr lang="en-GB"/>
+          </a:p>
+        </p:txBody>
+      </p:sp>
+    </p:spTree>
+    <p:extLst>
+      <p:ext uri="{BB962C8B-B14F-4D97-AF65-F5344CB8AC3E}">
+        <p14:creationId xmlns:p14="http://schemas.microsoft.com/office/powerpoint/2010/main" val="452820413"/>
+      </p:ext>
+    </p:extLst>
+  </p:cSld>
+  <p:clrMap bg1="lt1" tx1="dk1" bg2="lt2" tx2="dk2" accent1="accent1" accent2="accent2" accent3="accent3" accent4="accent4" accent5="accent5" accent6="accent6" hlink="hlink" folHlink="folHlink"/>
+  <p:notesStyle>
+    <a:lvl1pPr marL="0" algn="l" defTabSz="914400" rtl="0" eaLnBrk="1" latinLnBrk="0" hangingPunct="1">
+      <a:defRPr sz="1200" kern="1200">
+        <a:solidFill>
+          <a:schemeClr val="tx1"/>
+        </a:solidFill>
+        <a:latin typeface="+mn-lt"/>
+        <a:ea typeface="+mn-ea"/>
+        <a:cs typeface="+mn-cs"/>
+      </a:defRPr>
+    </a:lvl1pPr>
+    <a:lvl2pPr marL="457200" algn="l" defTabSz="914400" rtl="0" eaLnBrk="1" latinLnBrk="0" hangingPunct="1">
+      <a:defRPr sz="1200" kern="1200">
+        <a:solidFill>
+          <a:schemeClr val="tx1"/>
+        </a:solidFill>
+        <a:latin typeface="+mn-lt"/>
+        <a:ea typeface="+mn-ea"/>
+        <a:cs typeface="+mn-cs"/>
+      </a:defRPr>
+    </a:lvl2pPr>
+    <a:lvl3pPr marL="914400" algn="l" defTabSz="914400" rtl="0" eaLnBrk="1" latinLnBrk="0" hangingPunct="1">
+      <a:defRPr sz="1200" kern="1200">
+        <a:solidFill>
+          <a:schemeClr val="tx1"/>
+        </a:solidFill>
+        <a:latin typeface="+mn-lt"/>
+        <a:ea typeface="+mn-ea"/>
+        <a:cs typeface="+mn-cs"/>
+      </a:defRPr>
+    </a:lvl3pPr>
+    <a:lvl4pPr marL="1371600" algn="l" defTabSz="914400" rtl="0" eaLnBrk="1" latinLnBrk="0" hangingPunct="1">
+      <a:defRPr sz="1200" kern="1200">
+        <a:solidFill>
+          <a:schemeClr val="tx1"/>
+        </a:solidFill>
+        <a:latin typeface="+mn-lt"/>
+        <a:ea typeface="+mn-ea"/>
+        <a:cs typeface="+mn-cs"/>
+      </a:defRPr>
+    </a:lvl4pPr>
+    <a:lvl5pPr marL="1828800" algn="l" defTabSz="914400" rtl="0" eaLnBrk="1" latinLnBrk="0" hangingPunct="1">
+      <a:defRPr sz="1200" kern="1200">
+        <a:solidFill>
+          <a:schemeClr val="tx1"/>
+        </a:solidFill>
+        <a:latin typeface="+mn-lt"/>
+        <a:ea typeface="+mn-ea"/>
+        <a:cs typeface="+mn-cs"/>
+      </a:defRPr>
+    </a:lvl5pPr>
+    <a:lvl6pPr marL="2286000" algn="l" defTabSz="914400" rtl="0" eaLnBrk="1" latinLnBrk="0" hangingPunct="1">
+      <a:defRPr sz="1200" kern="1200">
+        <a:solidFill>
+          <a:schemeClr val="tx1"/>
+        </a:solidFill>
+        <a:latin typeface="+mn-lt"/>
+        <a:ea typeface="+mn-ea"/>
+        <a:cs typeface="+mn-cs"/>
+      </a:defRPr>
+    </a:lvl6pPr>
+    <a:lvl7pPr marL="2743200" algn="l" defTabSz="914400" rtl="0" eaLnBrk="1" latinLnBrk="0" hangingPunct="1">
+      <a:defRPr sz="1200" kern="1200">
+        <a:solidFill>
+          <a:schemeClr val="tx1"/>
+        </a:solidFill>
+        <a:latin typeface="+mn-lt"/>
+        <a:ea typeface="+mn-ea"/>
+        <a:cs typeface="+mn-cs"/>
+      </a:defRPr>
+    </a:lvl7pPr>
+    <a:lvl8pPr marL="3200400" algn="l" defTabSz="914400" rtl="0" eaLnBrk="1" latinLnBrk="0" hangingPunct="1">
+      <a:defRPr sz="1200" kern="1200">
+        <a:solidFill>
+          <a:schemeClr val="tx1"/>
+        </a:solidFill>
+        <a:latin typeface="+mn-lt"/>
+        <a:ea typeface="+mn-ea"/>
+        <a:cs typeface="+mn-cs"/>
+      </a:defRPr>
+    </a:lvl8pPr>
+    <a:lvl9pPr marL="3657600" algn="l" defTabSz="914400" rtl="0" eaLnBrk="1" latinLnBrk="0" hangingPunct="1">
+      <a:defRPr sz="1200" kern="1200">
+        <a:solidFill>
+          <a:schemeClr val="tx1"/>
+        </a:solidFill>
+        <a:latin typeface="+mn-lt"/>
+        <a:ea typeface="+mn-ea"/>
+        <a:cs typeface="+mn-cs"/>
+      </a:defRPr>
+    </a:lvl9pPr>
+  </p:notesStyle>
+</p:notesMaster>
+</file>
+
+<file path=ppt/notesSlides/notesSlide1.xml><?xml version="1.0" encoding="utf-8"?>
+<p:notes xmlns:a="http://schemas.openxmlformats.org/drawingml/2006/main" xmlns:r="http://schemas.openxmlformats.org/officeDocument/2006/relationships" xmlns:p="http://schemas.openxmlformats.org/presentationml/2006/main">
+  <p:cSld>
+    <p:spTree>
+      <p:nvGrpSpPr>
+        <p:cNvPr id="1" name=""/>
+        <p:cNvGrpSpPr/>
+        <p:nvPr/>
+      </p:nvGrpSpPr>
+      <p:grpSpPr>
+        <a:xfrm>
+          <a:off x="0" y="0"/>
+          <a:ext cx="0" cy="0"/>
+          <a:chOff x="0" y="0"/>
+          <a:chExt cx="0" cy="0"/>
+        </a:xfrm>
+      </p:grpSpPr>
+      <p:sp>
+        <p:nvSpPr>
+          <p:cNvPr id="2" name="Folienbildplatzhalter 1"/>
+          <p:cNvSpPr>
+            <a:spLocks noGrp="1" noRot="1" noChangeAspect="1"/>
+          </p:cNvSpPr>
+          <p:nvPr>
+            <p:ph type="sldImg"/>
+          </p:nvPr>
+        </p:nvSpPr>
+        <p:spPr/>
+      </p:sp>
+      <p:sp>
+        <p:nvSpPr>
+          <p:cNvPr id="3" name="Notizenplatzhalter 2"/>
+          <p:cNvSpPr>
+            <a:spLocks noGrp="1"/>
+          </p:cNvSpPr>
+          <p:nvPr>
+            <p:ph type="body" idx="1"/>
+          </p:nvPr>
+        </p:nvSpPr>
+        <p:spPr/>
+        <p:txBody>
+          <a:bodyPr/>
+          <a:lstStyle/>
+          <a:p>
+            <a:r>
+              <a:rPr lang="en-GB" dirty="0" smtClean="0"/>
+              <a:t>Transcription and coding profile of minute virus of mice (MVM). The viral genome is indicated by a single line terminating in disparate hairpin telomeres (scaled at ~20× relative to the rest of the genome). Below this, line diagrams represent individual transcripts. Coding sequences are indicated in these mRNAs by boxes, which are </a:t>
+            </a:r>
+            <a:r>
+              <a:rPr lang="en-GB" dirty="0" err="1" smtClean="0"/>
+              <a:t>color</a:t>
+            </a:r>
+            <a:r>
+              <a:rPr lang="en-GB" dirty="0" smtClean="0"/>
+              <a:t> coded to indicate which of the three reading frames </a:t>
+            </a:r>
+            <a:r>
+              <a:rPr lang="en-GB" b="1" i="1" dirty="0" smtClean="0"/>
+              <a:t>(ref… </a:t>
+            </a:r>
+            <a:r>
+              <a:rPr lang="en-GB" b="1" i="1" dirty="0" err="1" smtClean="0"/>
+              <a:t>astell</a:t>
+            </a:r>
+            <a:r>
+              <a:rPr lang="en-GB" b="1" i="1" dirty="0" smtClean="0"/>
+              <a:t> </a:t>
+            </a:r>
+            <a:r>
+              <a:rPr lang="en-GB" b="1" i="1" dirty="0" err="1" smtClean="0"/>
+              <a:t>cr</a:t>
+            </a:r>
+            <a:r>
+              <a:rPr lang="en-GB" b="1" i="1" dirty="0" smtClean="0"/>
+              <a:t>, </a:t>
+            </a:r>
+            <a:r>
+              <a:rPr lang="en-GB" b="1" i="1" dirty="0" err="1" smtClean="0"/>
+              <a:t>gardiner</a:t>
+            </a:r>
+            <a:r>
+              <a:rPr lang="en-GB" b="1" i="1" dirty="0" smtClean="0"/>
+              <a:t> </a:t>
+            </a:r>
+            <a:r>
+              <a:rPr lang="en-GB" b="1" i="1" dirty="0" err="1" smtClean="0"/>
+              <a:t>em</a:t>
+            </a:r>
+            <a:r>
+              <a:rPr lang="en-GB" b="1" i="1" dirty="0" smtClean="0"/>
+              <a:t>, tattersall p, 1986) </a:t>
+            </a:r>
+            <a:r>
+              <a:rPr lang="en-GB" dirty="0" smtClean="0"/>
+              <a:t>they employ. Transcriptional promoters are positioned at map units 4 and 38 (P4, P38). P4 is the first promoter to fire during infection and drives the synthesis of transcripts R1 and R2, which are </a:t>
+            </a:r>
+            <a:r>
+              <a:rPr lang="en-GB" dirty="0" err="1" smtClean="0"/>
+              <a:t>polyadenylated</a:t>
+            </a:r>
+            <a:r>
+              <a:rPr lang="en-GB" dirty="0" smtClean="0"/>
+              <a:t> (AAAAA) near the right end of the genome. These encode NS1 and three C-terminally distinct forms of NS2 (NS2</a:t>
+            </a:r>
+            <a:r>
+              <a:rPr lang="en-GB" baseline="30000" dirty="0" smtClean="0"/>
+              <a:t>P</a:t>
+            </a:r>
+            <a:r>
+              <a:rPr lang="en-GB" dirty="0" smtClean="0"/>
+              <a:t>, NS2</a:t>
+            </a:r>
+            <a:r>
+              <a:rPr lang="en-GB" baseline="30000" dirty="0" smtClean="0"/>
+              <a:t>Y</a:t>
+            </a:r>
+            <a:r>
+              <a:rPr lang="en-GB" dirty="0" smtClean="0"/>
+              <a:t>, and NS2</a:t>
+            </a:r>
+            <a:r>
+              <a:rPr lang="en-GB" baseline="30000" dirty="0" smtClean="0"/>
+              <a:t>L</a:t>
+            </a:r>
+            <a:r>
+              <a:rPr lang="en-GB" dirty="0" smtClean="0"/>
+              <a:t>). NS1 then binds upstream of the P38 promoter and drives synthesis of R3 transcripts that are alternatively spliced to encode either VP1 or VP2 and SAT. N-terminal protein sequences boxed in red, denoted VP1</a:t>
+            </a:r>
+            <a:r>
+              <a:rPr lang="en-GB" baseline="30000" dirty="0" smtClean="0"/>
+              <a:t>SR</a:t>
+            </a:r>
+            <a:r>
+              <a:rPr lang="en-GB" dirty="0" smtClean="0"/>
+              <a:t> (VP1-specific region), are unique to VP1. Sequences boxed in black, comprising the C-terminal region common to all VP polypeptides, assemble to form the capsid shell; poly(G), boxed in yellow, identifies a short glycine-rich peptide sequence present in all VPs that can be </a:t>
+            </a:r>
+            <a:r>
+              <a:rPr lang="en-GB" dirty="0" err="1" smtClean="0"/>
+              <a:t>modeled</a:t>
+            </a:r>
+            <a:r>
+              <a:rPr lang="en-GB" dirty="0" smtClean="0"/>
+              <a:t> into X-ray density occupying capsid fivefold pores in DNA-containing </a:t>
+            </a:r>
+            <a:r>
+              <a:rPr lang="en-GB" dirty="0" err="1" smtClean="0"/>
+              <a:t>virions</a:t>
+            </a:r>
+            <a:r>
+              <a:rPr lang="en-GB" dirty="0" smtClean="0"/>
+              <a:t>.</a:t>
+            </a:r>
+          </a:p>
+          <a:p>
+            <a:endParaRPr lang="de-CH" dirty="0" smtClean="0"/>
+          </a:p>
+          <a:p>
+            <a:endParaRPr lang="de-CH" dirty="0" smtClean="0"/>
+          </a:p>
+          <a:p>
+            <a:r>
+              <a:rPr lang="en-GB" sz="1200" b="0" i="0" u="none" strike="noStrike" kern="1200" baseline="0" dirty="0" smtClean="0">
+                <a:solidFill>
+                  <a:schemeClr val="tx1"/>
+                </a:solidFill>
+                <a:latin typeface="+mn-lt"/>
+                <a:ea typeface="+mn-ea"/>
+                <a:cs typeface="+mn-cs"/>
+              </a:rPr>
+              <a:t>Figure 1-1. Genome architecture of the parvovirus genus. The single‐stranded, negative‐sense DNA genome of the parvovirus genome with the terminal folded hairpin structures is shown. The two viral promoters, P4 and P38 are shown by rightward arrows, and the mature, cytoplasmic transcripts R1, R2, and R3 are displayed below, with a blue sphere indicating the capped 5′ ends and AAA denoting their </a:t>
+            </a:r>
+            <a:r>
+              <a:rPr lang="en-GB" sz="1200" b="0" i="0" u="none" strike="noStrike" kern="1200" baseline="0" dirty="0" err="1" smtClean="0">
+                <a:solidFill>
+                  <a:schemeClr val="tx1"/>
+                </a:solidFill>
+                <a:latin typeface="+mn-lt"/>
+                <a:ea typeface="+mn-ea"/>
+                <a:cs typeface="+mn-cs"/>
+              </a:rPr>
+              <a:t>polyadenylated</a:t>
+            </a:r>
+            <a:r>
+              <a:rPr lang="en-GB" sz="1200" b="0" i="0" u="none" strike="noStrike" kern="1200" baseline="0" dirty="0" smtClean="0">
+                <a:solidFill>
+                  <a:schemeClr val="tx1"/>
+                </a:solidFill>
+                <a:latin typeface="+mn-lt"/>
+                <a:ea typeface="+mn-ea"/>
+                <a:cs typeface="+mn-cs"/>
+              </a:rPr>
+              <a:t> tails. ORFs specifying the viral gene products, named on the right, are displayed in different shades according to their reading phase, and their spliced‐out introns are represented by the thin‐lined carets. </a:t>
+            </a:r>
+            <a:r>
+              <a:rPr lang="en-GB" sz="1200" b="0" i="0" u="none" strike="noStrike" kern="1200" baseline="0" smtClean="0">
+                <a:solidFill>
+                  <a:schemeClr val="tx1"/>
+                </a:solidFill>
+                <a:latin typeface="+mn-lt"/>
+                <a:ea typeface="+mn-ea"/>
+                <a:cs typeface="+mn-cs"/>
+              </a:rPr>
+              <a:t>The dashed box denotes the VP1u region involved in entry functions. </a:t>
+            </a:r>
+            <a:endParaRPr lang="en-GB" dirty="0"/>
+          </a:p>
+        </p:txBody>
+      </p:sp>
+      <p:sp>
+        <p:nvSpPr>
+          <p:cNvPr id="4" name="Foliennummernplatzhalter 3"/>
+          <p:cNvSpPr>
+            <a:spLocks noGrp="1"/>
+          </p:cNvSpPr>
+          <p:nvPr>
+            <p:ph type="sldNum" sz="quarter" idx="10"/>
+          </p:nvPr>
+        </p:nvSpPr>
+        <p:spPr/>
+        <p:txBody>
+          <a:bodyPr/>
+          <a:lstStyle/>
+          <a:p>
+            <a:fld id="{11BD3FAF-AE36-4B56-9867-B24A2E307FB6}" type="slidenum">
+              <a:rPr lang="en-GB" smtClean="0"/>
+              <a:t>3</a:t>
+            </a:fld>
+            <a:endParaRPr lang="en-GB"/>
+          </a:p>
+        </p:txBody>
+      </p:sp>
+    </p:spTree>
+    <p:extLst>
+      <p:ext uri="{BB962C8B-B14F-4D97-AF65-F5344CB8AC3E}">
+        <p14:creationId xmlns:p14="http://schemas.microsoft.com/office/powerpoint/2010/main" val="1933836903"/>
+      </p:ext>
+    </p:extLst>
+  </p:cSld>
+  <p:clrMapOvr>
+    <a:masterClrMapping/>
+  </p:clrMapOvr>
+</p:notes>
+</file>
+
 <file path=ppt/slideLayouts/slideLayout1.xml><?xml version="1.0" encoding="utf-8"?>
 <p:sldLayout xmlns:a="http://schemas.openxmlformats.org/drawingml/2006/main" xmlns:r="http://schemas.openxmlformats.org/officeDocument/2006/relationships" xmlns:p="http://schemas.openxmlformats.org/presentationml/2006/main" type="title" preserve="1">
   <p:cSld name="Titelfolie">
@@ -293,7 +890,7 @@
           <a:p>
             <a:fld id="{7153C662-8A6C-49A2-962D-FA2AFFE80720}" type="datetimeFigureOut">
               <a:rPr lang="en-GB" smtClean="0"/>
-              <a:t>30/01/2015</a:t>
+              <a:t>09/04/2015</a:t>
             </a:fld>
             <a:endParaRPr lang="en-GB"/>
           </a:p>
@@ -463,7 +1060,7 @@
           <a:p>
             <a:fld id="{7153C662-8A6C-49A2-962D-FA2AFFE80720}" type="datetimeFigureOut">
               <a:rPr lang="en-GB" smtClean="0"/>
-              <a:t>30/01/2015</a:t>
+              <a:t>09/04/2015</a:t>
             </a:fld>
             <a:endParaRPr lang="en-GB"/>
           </a:p>
@@ -643,7 +1240,7 @@
           <a:p>
             <a:fld id="{7153C662-8A6C-49A2-962D-FA2AFFE80720}" type="datetimeFigureOut">
               <a:rPr lang="en-GB" smtClean="0"/>
-              <a:t>30/01/2015</a:t>
+              <a:t>09/04/2015</a:t>
             </a:fld>
             <a:endParaRPr lang="en-GB"/>
           </a:p>
@@ -813,7 +1410,7 @@
           <a:p>
             <a:fld id="{7153C662-8A6C-49A2-962D-FA2AFFE80720}" type="datetimeFigureOut">
               <a:rPr lang="en-GB" smtClean="0"/>
-              <a:t>30/01/2015</a:t>
+              <a:t>09/04/2015</a:t>
             </a:fld>
             <a:endParaRPr lang="en-GB"/>
           </a:p>
@@ -1059,7 +1656,7 @@
           <a:p>
             <a:fld id="{7153C662-8A6C-49A2-962D-FA2AFFE80720}" type="datetimeFigureOut">
               <a:rPr lang="en-GB" smtClean="0"/>
-              <a:t>30/01/2015</a:t>
+              <a:t>09/04/2015</a:t>
             </a:fld>
             <a:endParaRPr lang="en-GB"/>
           </a:p>
@@ -1347,7 +1944,7 @@
           <a:p>
             <a:fld id="{7153C662-8A6C-49A2-962D-FA2AFFE80720}" type="datetimeFigureOut">
               <a:rPr lang="en-GB" smtClean="0"/>
-              <a:t>30/01/2015</a:t>
+              <a:t>09/04/2015</a:t>
             </a:fld>
             <a:endParaRPr lang="en-GB"/>
           </a:p>
@@ -1769,7 +2366,7 @@
           <a:p>
             <a:fld id="{7153C662-8A6C-49A2-962D-FA2AFFE80720}" type="datetimeFigureOut">
               <a:rPr lang="en-GB" smtClean="0"/>
-              <a:t>30/01/2015</a:t>
+              <a:t>09/04/2015</a:t>
             </a:fld>
             <a:endParaRPr lang="en-GB"/>
           </a:p>
@@ -1887,7 +2484,7 @@
           <a:p>
             <a:fld id="{7153C662-8A6C-49A2-962D-FA2AFFE80720}" type="datetimeFigureOut">
               <a:rPr lang="en-GB" smtClean="0"/>
-              <a:t>30/01/2015</a:t>
+              <a:t>09/04/2015</a:t>
             </a:fld>
             <a:endParaRPr lang="en-GB"/>
           </a:p>
@@ -1982,7 +2579,7 @@
           <a:p>
             <a:fld id="{7153C662-8A6C-49A2-962D-FA2AFFE80720}" type="datetimeFigureOut">
               <a:rPr lang="en-GB" smtClean="0"/>
-              <a:t>30/01/2015</a:t>
+              <a:t>09/04/2015</a:t>
             </a:fld>
             <a:endParaRPr lang="en-GB"/>
           </a:p>
@@ -2259,7 +2856,7 @@
           <a:p>
             <a:fld id="{7153C662-8A6C-49A2-962D-FA2AFFE80720}" type="datetimeFigureOut">
               <a:rPr lang="en-GB" smtClean="0"/>
-              <a:t>30/01/2015</a:t>
+              <a:t>09/04/2015</a:t>
             </a:fld>
             <a:endParaRPr lang="en-GB"/>
           </a:p>
@@ -2512,7 +3109,7 @@
           <a:p>
             <a:fld id="{7153C662-8A6C-49A2-962D-FA2AFFE80720}" type="datetimeFigureOut">
               <a:rPr lang="en-GB" smtClean="0"/>
-              <a:t>30/01/2015</a:t>
+              <a:t>09/04/2015</a:t>
             </a:fld>
             <a:endParaRPr lang="en-GB"/>
           </a:p>
@@ -2725,7 +3322,7 @@
           <a:p>
             <a:fld id="{7153C662-8A6C-49A2-962D-FA2AFFE80720}" type="datetimeFigureOut">
               <a:rPr lang="en-GB" smtClean="0"/>
-              <a:t>30/01/2015</a:t>
+              <a:t>09/04/2015</a:t>
             </a:fld>
             <a:endParaRPr lang="en-GB"/>
           </a:p>
@@ -3393,7 +3990,7 @@
           <p:nvPr/>
         </p:nvPicPr>
         <p:blipFill>
-          <a:blip r:embed="rId2">
+          <a:blip r:embed="rId3">
             <a:extLst>
               <a:ext uri="{28A0092B-C50C-407E-A947-70E740481C1C}">
                 <a14:useLocalDpi xmlns:a14="http://schemas.microsoft.com/office/drawing/2010/main" val="0"/>
@@ -3409,6 +4006,70 @@
           <a:xfrm>
             <a:off x="1243013" y="328613"/>
             <a:ext cx="6657975" cy="6200775"/>
+          </a:xfrm>
+          <a:prstGeom prst="rect">
+            <a:avLst/>
+          </a:prstGeom>
+          <a:noFill/>
+          <a:ln>
+            <a:noFill/>
+          </a:ln>
+          <a:extLst>
+            <a:ext uri="{909E8E84-426E-40DD-AFC4-6F175D3DCCD1}">
+              <a14:hiddenFill xmlns:a14="http://schemas.microsoft.com/office/drawing/2010/main">
+                <a:solidFill>
+                  <a:schemeClr val="accent1"/>
+                </a:solidFill>
+              </a14:hiddenFill>
+            </a:ext>
+            <a:ext uri="{91240B29-F687-4F45-9708-019B960494DF}">
+              <a14:hiddenLine xmlns:a14="http://schemas.microsoft.com/office/drawing/2010/main" w="9525">
+                <a:solidFill>
+                  <a:schemeClr val="tx1"/>
+                </a:solidFill>
+                <a:miter lim="800000"/>
+                <a:headEnd/>
+                <a:tailEnd/>
+              </a14:hiddenLine>
+            </a:ext>
+          </a:extLst>
+        </p:spPr>
+      </p:pic>
+      <p:pic>
+        <p:nvPicPr>
+          <p:cNvPr id="1026" name="Picture 2"/>
+          <p:cNvPicPr>
+            <a:picLocks noChangeAspect="1" noChangeArrowheads="1"/>
+          </p:cNvPicPr>
+          <p:nvPr/>
+        </p:nvPicPr>
+        <p:blipFill>
+          <a:blip r:embed="rId4">
+            <a:clrChange>
+              <a:clrFrom>
+                <a:srgbClr val="FFFFFF"/>
+              </a:clrFrom>
+              <a:clrTo>
+                <a:srgbClr val="FFFFFF">
+                  <a:alpha val="0"/>
+                </a:srgbClr>
+              </a:clrTo>
+            </a:clrChange>
+            <a:extLst>
+              <a:ext uri="{28A0092B-C50C-407E-A947-70E740481C1C}">
+                <a14:useLocalDpi xmlns:a14="http://schemas.microsoft.com/office/drawing/2010/main" val="0"/>
+              </a:ext>
+            </a:extLst>
+          </a:blip>
+          <a:srcRect/>
+          <a:stretch>
+            <a:fillRect/>
+          </a:stretch>
+        </p:blipFill>
+        <p:spPr bwMode="auto">
+          <a:xfrm>
+            <a:off x="2221250" y="1556792"/>
+            <a:ext cx="5171244" cy="360040"/>
           </a:xfrm>
           <a:prstGeom prst="rect">
             <a:avLst/>
@@ -4094,4 +4755,289 @@
   <a:objectDefaults/>
   <a:extraClrSchemeLst/>
 </a:theme>
+</file>
+
+<file path=ppt/theme/theme2.xml><?xml version="1.0" encoding="utf-8"?>
+<a:theme xmlns:a="http://schemas.openxmlformats.org/drawingml/2006/main" name="Larissa">
+  <a:themeElements>
+    <a:clrScheme name="Larissa">
+      <a:dk1>
+        <a:sysClr val="windowText" lastClr="000000"/>
+      </a:dk1>
+      <a:lt1>
+        <a:sysClr val="window" lastClr="FFFFFF"/>
+      </a:lt1>
+      <a:dk2>
+        <a:srgbClr val="1F497D"/>
+      </a:dk2>
+      <a:lt2>
+        <a:srgbClr val="EEECE1"/>
+      </a:lt2>
+      <a:accent1>
+        <a:srgbClr val="4F81BD"/>
+      </a:accent1>
+      <a:accent2>
+        <a:srgbClr val="C0504D"/>
+      </a:accent2>
+      <a:accent3>
+        <a:srgbClr val="9BBB59"/>
+      </a:accent3>
+      <a:accent4>
+        <a:srgbClr val="8064A2"/>
+      </a:accent4>
+      <a:accent5>
+        <a:srgbClr val="4BACC6"/>
+      </a:accent5>
+      <a:accent6>
+        <a:srgbClr val="F79646"/>
+      </a:accent6>
+      <a:hlink>
+        <a:srgbClr val="0000FF"/>
+      </a:hlink>
+      <a:folHlink>
+        <a:srgbClr val="800080"/>
+      </a:folHlink>
+    </a:clrScheme>
+    <a:fontScheme name="Larissa">
+      <a:majorFont>
+        <a:latin typeface="Calibri"/>
+        <a:ea typeface=""/>
+        <a:cs typeface=""/>
+        <a:font script="Jpan" typeface="ＭＳ Ｐゴシック"/>
+        <a:font script="Hang" typeface="맑은 고딕"/>
+        <a:font script="Hans" typeface="宋体"/>
+        <a:font script="Hant" typeface="新細明體"/>
+        <a:font script="Arab" typeface="Times New Roman"/>
+        <a:font script="Hebr" typeface="Times New Roman"/>
+        <a:font script="Thai" typeface="Angsana New"/>
+        <a:font script="Ethi" typeface="Nyala"/>
+        <a:font script="Beng" typeface="Vrinda"/>
+        <a:font script="Gujr" typeface="Shruti"/>
+        <a:font script="Khmr" typeface="MoolBoran"/>
+        <a:font script="Knda" typeface="Tunga"/>
+        <a:font script="Guru" typeface="Raavi"/>
+        <a:font script="Cans" typeface="Euphemia"/>
+        <a:font script="Cher" typeface="Plantagenet Cherokee"/>
+        <a:font script="Yiii" typeface="Microsoft Yi Baiti"/>
+        <a:font script="Tibt" typeface="Microsoft Himalaya"/>
+        <a:font script="Thaa" typeface="MV Boli"/>
+        <a:font script="Deva" typeface="Mangal"/>
+        <a:font script="Telu" typeface="Gautami"/>
+        <a:font script="Taml" typeface="Latha"/>
+        <a:font script="Syrc" typeface="Estrangelo Edessa"/>
+        <a:font script="Orya" typeface="Kalinga"/>
+        <a:font script="Mlym" typeface="Kartika"/>
+        <a:font script="Laoo" typeface="DokChampa"/>
+        <a:font script="Sinh" typeface="Iskoola Pota"/>
+        <a:font script="Mong" typeface="Mongolian Baiti"/>
+        <a:font script="Viet" typeface="Times New Roman"/>
+        <a:font script="Uigh" typeface="Microsoft Uighur"/>
+        <a:font script="Geor" typeface="Sylfaen"/>
+      </a:majorFont>
+      <a:minorFont>
+        <a:latin typeface="Calibri"/>
+        <a:ea typeface=""/>
+        <a:cs typeface=""/>
+        <a:font script="Jpan" typeface="ＭＳ Ｐゴシック"/>
+        <a:font script="Hang" typeface="맑은 고딕"/>
+        <a:font script="Hans" typeface="宋体"/>
+        <a:font script="Hant" typeface="新細明體"/>
+        <a:font script="Arab" typeface="Arial"/>
+        <a:font script="Hebr" typeface="Arial"/>
+        <a:font script="Thai" typeface="Cordia New"/>
+        <a:font script="Ethi" typeface="Nyala"/>
+        <a:font script="Beng" typeface="Vrinda"/>
+        <a:font script="Gujr" typeface="Shruti"/>
+        <a:font script="Khmr" typeface="DaunPenh"/>
+        <a:font script="Knda" typeface="Tunga"/>
+        <a:font script="Guru" typeface="Raavi"/>
+        <a:font script="Cans" typeface="Euphemia"/>
+        <a:font script="Cher" typeface="Plantagenet Cherokee"/>
+        <a:font script="Yiii" typeface="Microsoft Yi Baiti"/>
+        <a:font script="Tibt" typeface="Microsoft Himalaya"/>
+        <a:font script="Thaa" typeface="MV Boli"/>
+        <a:font script="Deva" typeface="Mangal"/>
+        <a:font script="Telu" typeface="Gautami"/>
+        <a:font script="Taml" typeface="Latha"/>
+        <a:font script="Syrc" typeface="Estrangelo Edessa"/>
+        <a:font script="Orya" typeface="Kalinga"/>
+        <a:font script="Mlym" typeface="Kartika"/>
+        <a:font script="Laoo" typeface="DokChampa"/>
+        <a:font script="Sinh" typeface="Iskoola Pota"/>
+        <a:font script="Mong" typeface="Mongolian Baiti"/>
+        <a:font script="Viet" typeface="Arial"/>
+        <a:font script="Uigh" typeface="Microsoft Uighur"/>
+        <a:font script="Geor" typeface="Sylfaen"/>
+      </a:minorFont>
+    </a:fontScheme>
+    <a:fmtScheme name="Larissa">
+      <a:fillStyleLst>
+        <a:solidFill>
+          <a:schemeClr val="phClr"/>
+        </a:solidFill>
+        <a:gradFill rotWithShape="1">
+          <a:gsLst>
+            <a:gs pos="0">
+              <a:schemeClr val="phClr">
+                <a:tint val="50000"/>
+                <a:satMod val="300000"/>
+              </a:schemeClr>
+            </a:gs>
+            <a:gs pos="35000">
+              <a:schemeClr val="phClr">
+                <a:tint val="37000"/>
+                <a:satMod val="300000"/>
+              </a:schemeClr>
+            </a:gs>
+            <a:gs pos="100000">
+              <a:schemeClr val="phClr">
+                <a:tint val="15000"/>
+                <a:satMod val="350000"/>
+              </a:schemeClr>
+            </a:gs>
+          </a:gsLst>
+          <a:lin ang="16200000" scaled="1"/>
+        </a:gradFill>
+        <a:gradFill rotWithShape="1">
+          <a:gsLst>
+            <a:gs pos="0">
+              <a:schemeClr val="phClr">
+                <a:shade val="51000"/>
+                <a:satMod val="130000"/>
+              </a:schemeClr>
+            </a:gs>
+            <a:gs pos="80000">
+              <a:schemeClr val="phClr">
+                <a:shade val="93000"/>
+                <a:satMod val="130000"/>
+              </a:schemeClr>
+            </a:gs>
+            <a:gs pos="100000">
+              <a:schemeClr val="phClr">
+                <a:shade val="94000"/>
+                <a:satMod val="135000"/>
+              </a:schemeClr>
+            </a:gs>
+          </a:gsLst>
+          <a:lin ang="16200000" scaled="0"/>
+        </a:gradFill>
+      </a:fillStyleLst>
+      <a:lnStyleLst>
+        <a:ln w="9525" cap="flat" cmpd="sng" algn="ctr">
+          <a:solidFill>
+            <a:schemeClr val="phClr">
+              <a:shade val="95000"/>
+              <a:satMod val="105000"/>
+            </a:schemeClr>
+          </a:solidFill>
+          <a:prstDash val="solid"/>
+        </a:ln>
+        <a:ln w="25400" cap="flat" cmpd="sng" algn="ctr">
+          <a:solidFill>
+            <a:schemeClr val="phClr"/>
+          </a:solidFill>
+          <a:prstDash val="solid"/>
+        </a:ln>
+        <a:ln w="38100" cap="flat" cmpd="sng" algn="ctr">
+          <a:solidFill>
+            <a:schemeClr val="phClr"/>
+          </a:solidFill>
+          <a:prstDash val="solid"/>
+        </a:ln>
+      </a:lnStyleLst>
+      <a:effectStyleLst>
+        <a:effectStyle>
+          <a:effectLst>
+            <a:outerShdw blurRad="40000" dist="20000" dir="5400000" rotWithShape="0">
+              <a:srgbClr val="000000">
+                <a:alpha val="38000"/>
+              </a:srgbClr>
+            </a:outerShdw>
+          </a:effectLst>
+        </a:effectStyle>
+        <a:effectStyle>
+          <a:effectLst>
+            <a:outerShdw blurRad="40000" dist="23000" dir="5400000" rotWithShape="0">
+              <a:srgbClr val="000000">
+                <a:alpha val="35000"/>
+              </a:srgbClr>
+            </a:outerShdw>
+          </a:effectLst>
+        </a:effectStyle>
+        <a:effectStyle>
+          <a:effectLst>
+            <a:outerShdw blurRad="40000" dist="23000" dir="5400000" rotWithShape="0">
+              <a:srgbClr val="000000">
+                <a:alpha val="35000"/>
+              </a:srgbClr>
+            </a:outerShdw>
+          </a:effectLst>
+          <a:scene3d>
+            <a:camera prst="orthographicFront">
+              <a:rot lat="0" lon="0" rev="0"/>
+            </a:camera>
+            <a:lightRig rig="threePt" dir="t">
+              <a:rot lat="0" lon="0" rev="1200000"/>
+            </a:lightRig>
+          </a:scene3d>
+          <a:sp3d>
+            <a:bevelT w="63500" h="25400"/>
+          </a:sp3d>
+        </a:effectStyle>
+      </a:effectStyleLst>
+      <a:bgFillStyleLst>
+        <a:solidFill>
+          <a:schemeClr val="phClr"/>
+        </a:solidFill>
+        <a:gradFill rotWithShape="1">
+          <a:gsLst>
+            <a:gs pos="0">
+              <a:schemeClr val="phClr">
+                <a:tint val="40000"/>
+                <a:satMod val="350000"/>
+              </a:schemeClr>
+            </a:gs>
+            <a:gs pos="40000">
+              <a:schemeClr val="phClr">
+                <a:tint val="45000"/>
+                <a:shade val="99000"/>
+                <a:satMod val="350000"/>
+              </a:schemeClr>
+            </a:gs>
+            <a:gs pos="100000">
+              <a:schemeClr val="phClr">
+                <a:shade val="20000"/>
+                <a:satMod val="255000"/>
+              </a:schemeClr>
+            </a:gs>
+          </a:gsLst>
+          <a:path path="circle">
+            <a:fillToRect l="50000" t="-80000" r="50000" b="180000"/>
+          </a:path>
+        </a:gradFill>
+        <a:gradFill rotWithShape="1">
+          <a:gsLst>
+            <a:gs pos="0">
+              <a:schemeClr val="phClr">
+                <a:tint val="80000"/>
+                <a:satMod val="300000"/>
+              </a:schemeClr>
+            </a:gs>
+            <a:gs pos="100000">
+              <a:schemeClr val="phClr">
+                <a:shade val="30000"/>
+                <a:satMod val="200000"/>
+              </a:schemeClr>
+            </a:gs>
+          </a:gsLst>
+          <a:path path="circle">
+            <a:fillToRect l="50000" t="50000" r="50000" b="50000"/>
+          </a:path>
+        </a:gradFill>
+      </a:bgFillStyleLst>
+    </a:fmtScheme>
+  </a:themeElements>
+  <a:objectDefaults/>
+  <a:extraClrSchemeLst/>
+</a:theme>
 </file>